--- a/PBL.pptx
+++ b/PBL.pptx
@@ -5311,38 +5311,208 @@
           <a:lstStyle/>
           <a:p>
             <a:r>
-              <a:rPr kumimoji="1" lang="ja-JP" altLang="en-US"/>
+              <a:rPr kumimoji="1" lang="ja-JP" altLang="en-US" dirty="0"/>
+              <a:t>現在の課題とソースコード</a:t>
+            </a:r>
+          </a:p>
+        </p:txBody>
+      </p:sp>
+      <p:sp>
+        <p:nvSpPr>
+          <p:cNvPr id="3" name="コンテンツ プレースホルダー 2">
+            <a:extLst>
+              <a:ext uri="{FF2B5EF4-FFF2-40B4-BE49-F238E27FC236}">
+                <a16:creationId xmlns:a16="http://schemas.microsoft.com/office/drawing/2014/main" id="{DC1EC5F2-A987-45EA-8C78-8A05B3AF809F}"/>
+              </a:ext>
+            </a:extLst>
+          </p:cNvPr>
+          <p:cNvSpPr>
+            <a:spLocks noGrp="1"/>
+          </p:cNvSpPr>
+          <p:nvPr>
+            <p:ph idx="1"/>
+          </p:nvPr>
+        </p:nvSpPr>
+        <p:spPr/>
+        <p:txBody>
+          <a:bodyPr>
+            <a:normAutofit lnSpcReduction="10000"/>
+          </a:bodyPr>
+          <a:lstStyle/>
+          <a:p>
+            <a:r>
+              <a:rPr lang="ja-JP" altLang="en-US" dirty="0"/>
+              <a:t>課題</a:t>
+            </a:r>
+            <a:endParaRPr lang="en-US" altLang="ja-JP" dirty="0"/>
+          </a:p>
+          <a:p>
+            <a:pPr marL="457200" lvl="1" indent="0">
+              <a:buNone/>
+            </a:pPr>
+            <a:r>
+              <a:rPr lang="ja-JP" altLang="en-US" dirty="0"/>
+              <a:t>ロジスティック回帰で、契約成功となる分布</a:t>
+            </a:r>
+            <a:br>
+              <a:rPr lang="en-US" altLang="ja-JP" dirty="0"/>
+            </a:br>
+            <a:endParaRPr lang="en-US" altLang="ja-JP" dirty="0"/>
+          </a:p>
+          <a:p>
+            <a:endParaRPr lang="en-US" altLang="ja-JP" dirty="0"/>
+          </a:p>
+          <a:p>
+            <a:endParaRPr lang="en-US" altLang="ja-JP" dirty="0"/>
+          </a:p>
+          <a:p>
+            <a:endParaRPr lang="en-US" altLang="ja-JP" dirty="0"/>
+          </a:p>
+          <a:p>
+            <a:endParaRPr lang="en-US" altLang="ja-JP" dirty="0"/>
+          </a:p>
+          <a:p>
+            <a:endParaRPr lang="en-US" altLang="ja-JP" dirty="0"/>
+          </a:p>
+          <a:p>
+            <a:r>
+              <a:rPr lang="ja-JP" altLang="en-US" dirty="0"/>
               <a:t>ソースコード</a:t>
             </a:r>
-          </a:p>
-        </p:txBody>
-      </p:sp>
-      <p:sp>
-        <p:nvSpPr>
-          <p:cNvPr id="3" name="コンテンツ プレースホルダー 2">
-            <a:extLst>
-              <a:ext uri="{FF2B5EF4-FFF2-40B4-BE49-F238E27FC236}">
-                <a16:creationId xmlns:a16="http://schemas.microsoft.com/office/drawing/2014/main" id="{DC1EC5F2-A987-45EA-8C78-8A05B3AF809F}"/>
-              </a:ext>
-            </a:extLst>
-          </p:cNvPr>
-          <p:cNvSpPr>
-            <a:spLocks noGrp="1"/>
-          </p:cNvSpPr>
-          <p:nvPr>
-            <p:ph idx="1"/>
-          </p:nvPr>
-        </p:nvSpPr>
-        <p:spPr/>
-        <p:txBody>
-          <a:bodyPr/>
-          <a:lstStyle/>
-          <a:p>
+            <a:endParaRPr lang="en-US" altLang="ja-JP" dirty="0"/>
+          </a:p>
+          <a:p>
+            <a:pPr lvl="1"/>
             <a:r>
               <a:rPr lang="en-US" altLang="ja-JP" dirty="0"/>
               <a:t>https://github.com/takahashi-ei/datamix_PBL_telMarketing</a:t>
             </a:r>
             <a:endParaRPr kumimoji="1" lang="ja-JP" altLang="en-US" dirty="0"/>
+          </a:p>
+        </p:txBody>
+      </p:sp>
+      <p:pic>
+        <p:nvPicPr>
+          <p:cNvPr id="5" name="図 4">
+            <a:extLst>
+              <a:ext uri="{FF2B5EF4-FFF2-40B4-BE49-F238E27FC236}">
+                <a16:creationId xmlns:a16="http://schemas.microsoft.com/office/drawing/2014/main" id="{929AAAB4-873D-45B0-88B2-FC22FDFD0E31}"/>
+              </a:ext>
+            </a:extLst>
+          </p:cNvPr>
+          <p:cNvPicPr>
+            <a:picLocks noChangeAspect="1"/>
+          </p:cNvPicPr>
+          <p:nvPr/>
+        </p:nvPicPr>
+        <p:blipFill>
+          <a:blip r:embed="rId2">
+            <a:extLst>
+              <a:ext uri="{28A0092B-C50C-407E-A947-70E740481C1C}">
+                <a14:useLocalDpi xmlns:a14="http://schemas.microsoft.com/office/drawing/2010/main" val="0"/>
+              </a:ext>
+            </a:extLst>
+          </a:blip>
+          <a:stretch>
+            <a:fillRect/>
+          </a:stretch>
+        </p:blipFill>
+        <p:spPr>
+          <a:xfrm>
+            <a:off x="1961493" y="2667437"/>
+            <a:ext cx="3314045" cy="2209363"/>
+          </a:xfrm>
+          <a:prstGeom prst="rect">
+            <a:avLst/>
+          </a:prstGeom>
+        </p:spPr>
+      </p:pic>
+      <p:sp>
+        <p:nvSpPr>
+          <p:cNvPr id="6" name="正方形/長方形 5">
+            <a:extLst>
+              <a:ext uri="{FF2B5EF4-FFF2-40B4-BE49-F238E27FC236}">
+                <a16:creationId xmlns:a16="http://schemas.microsoft.com/office/drawing/2014/main" id="{60AF6D51-1D68-4ECC-B4CB-5DB59DBFE075}"/>
+              </a:ext>
+            </a:extLst>
+          </p:cNvPr>
+          <p:cNvSpPr/>
+          <p:nvPr/>
+        </p:nvSpPr>
+        <p:spPr>
+          <a:xfrm>
+            <a:off x="6283217" y="3216166"/>
+            <a:ext cx="4248148" cy="1324303"/>
+          </a:xfrm>
+          <a:prstGeom prst="rect">
+            <a:avLst/>
+          </a:prstGeom>
+        </p:spPr>
+        <p:style>
+          <a:lnRef idx="2">
+            <a:schemeClr val="accent1">
+              <a:shade val="50000"/>
+            </a:schemeClr>
+          </a:lnRef>
+          <a:fillRef idx="1">
+            <a:schemeClr val="accent1"/>
+          </a:fillRef>
+          <a:effectRef idx="0">
+            <a:schemeClr val="accent1"/>
+          </a:effectRef>
+          <a:fontRef idx="minor">
+            <a:schemeClr val="lt1"/>
+          </a:fontRef>
+        </p:style>
+        <p:txBody>
+          <a:bodyPr rtlCol="0" anchor="ctr"/>
+          <a:lstStyle/>
+          <a:p>
+            <a:pPr algn="ctr"/>
+            <a:r>
+              <a:rPr lang="ja-JP" altLang="en-US" dirty="0"/>
+              <a:t>契約成功となる確率</a:t>
+            </a:r>
+            <a:r>
+              <a:rPr kumimoji="1" lang="ja-JP" altLang="en-US" dirty="0"/>
+              <a:t>が約</a:t>
+            </a:r>
+            <a:r>
+              <a:rPr kumimoji="1" lang="en-US" altLang="ja-JP" dirty="0"/>
+              <a:t>0.25</a:t>
+            </a:r>
+            <a:r>
+              <a:rPr lang="ja-JP" altLang="en-US" dirty="0"/>
+              <a:t>より</a:t>
+            </a:r>
+            <a:r>
+              <a:rPr kumimoji="1" lang="ja-JP" altLang="en-US" dirty="0"/>
+              <a:t>、</a:t>
+            </a:r>
+            <a:endParaRPr kumimoji="1" lang="en-US" altLang="ja-JP" dirty="0"/>
+          </a:p>
+          <a:p>
+            <a:pPr algn="ctr"/>
+            <a:r>
+              <a:rPr kumimoji="1" lang="en-US" altLang="ja-JP" dirty="0"/>
+              <a:t>ROI</a:t>
+            </a:r>
+            <a:r>
+              <a:rPr kumimoji="1" lang="ja-JP" altLang="en-US" dirty="0"/>
+              <a:t>を最大とするカットオフ率</a:t>
+            </a:r>
+            <a:r>
+              <a:rPr kumimoji="1" lang="en-US" altLang="ja-JP" dirty="0"/>
+              <a:t>0.2</a:t>
+            </a:r>
+          </a:p>
+          <a:p>
+            <a:pPr algn="ctr"/>
+            <a:r>
+              <a:rPr kumimoji="1" lang="ja-JP" altLang="en-US" dirty="0"/>
+              <a:t>→あまり性能がいいとは言えない？</a:t>
+            </a:r>
+            <a:endParaRPr kumimoji="1" lang="en-US" altLang="ja-JP" dirty="0"/>
           </a:p>
         </p:txBody>
       </p:sp>

--- a/PBL.pptx
+++ b/PBL.pptx
@@ -7933,7 +7933,17 @@
           <a:bodyPr/>
           <a:lstStyle/>
           <a:p>
-            <a:endParaRPr kumimoji="1" lang="ja-JP" altLang="en-US"/>
+            <a:r>
+              <a:rPr kumimoji="1" lang="ja-JP" altLang="en-US" dirty="0"/>
+              <a:t>電話で話す時間が短いとキャンペーンに失敗する傾向がある</a:t>
+            </a:r>
+            <a:endParaRPr kumimoji="1" lang="en-US" altLang="ja-JP" dirty="0"/>
+          </a:p>
+          <a:p>
+            <a:r>
+              <a:rPr kumimoji="1" lang="ja-JP" altLang="en-US" dirty="0"/>
+              <a:t>不況時ほど</a:t>
+            </a:r>
           </a:p>
         </p:txBody>
       </p:sp>
